--- a/doc/Steam_DA_overview.pptx
+++ b/doc/Steam_DA_overview.pptx
@@ -285,7 +285,7 @@
 <file path=ppt/revisionInfo.xml><?xml version="1.0" encoding="utf-8"?>
 <p1510:revInfo xmlns:a="http://schemas.openxmlformats.org/drawingml/2006/main" xmlns:r="http://schemas.openxmlformats.org/officeDocument/2006/relationships" xmlns:p1510="http://schemas.microsoft.com/office/powerpoint/2015/10/main">
   <p1510:revLst>
-    <p1510:client id="{CCEC738B-A1A2-5744-8BC2-1AE1BCA9DCC4}" v="13" dt="2024-06-17T05:54:44.207"/>
+    <p1510:client id="{C60D05D3-7F6D-4182-AFF4-04BADAE9B601}" v="4" dt="2024-07-11T09:20:45.566"/>
   </p1510:revLst>
 </p1510:revInfo>
 </file>
@@ -295,7 +295,7 @@
   <pc:docChgLst>
     <pc:chgData name="Zeyu Liu" userId="46f723ae19f75f51" providerId="LiveId" clId="{C60D05D3-7F6D-4182-AFF4-04BADAE9B601}"/>
     <pc:docChg chg="undo redo custSel addSld delSld modSld">
-      <pc:chgData name="Zeyu Liu" userId="46f723ae19f75f51" providerId="LiveId" clId="{C60D05D3-7F6D-4182-AFF4-04BADAE9B601}" dt="2024-06-17T12:11:47.436" v="989" actId="20577"/>
+      <pc:chgData name="Zeyu Liu" userId="46f723ae19f75f51" providerId="LiveId" clId="{C60D05D3-7F6D-4182-AFF4-04BADAE9B601}" dt="2024-07-11T09:20:45.566" v="999"/>
       <pc:docMkLst>
         <pc:docMk/>
       </pc:docMkLst>
@@ -1211,8 +1211,8 @@
           </ac:picMkLst>
         </pc:picChg>
       </pc:sldChg>
-      <pc:sldChg chg="addSp delSp modSp add mod">
-        <pc:chgData name="Zeyu Liu" userId="46f723ae19f75f51" providerId="LiveId" clId="{C60D05D3-7F6D-4182-AFF4-04BADAE9B601}" dt="2024-06-17T12:11:47.436" v="989" actId="20577"/>
+      <pc:sldChg chg="addSp delSp modSp add mod modAnim">
+        <pc:chgData name="Zeyu Liu" userId="46f723ae19f75f51" providerId="LiveId" clId="{C60D05D3-7F6D-4182-AFF4-04BADAE9B601}" dt="2024-07-11T09:20:45.566" v="999"/>
         <pc:sldMkLst>
           <pc:docMk/>
           <pc:sldMk cId="1154538717" sldId="267"/>
@@ -1247,6 +1247,14 @@
             <pc:docMk/>
             <pc:sldMk cId="1154538717" sldId="267"/>
             <ac:picMk id="2" creationId="{8A0E86B1-A687-DDF5-B22A-C7B9FEA42FB2}"/>
+          </ac:picMkLst>
+        </pc:picChg>
+        <pc:picChg chg="add mod">
+          <ac:chgData name="Zeyu Liu" userId="46f723ae19f75f51" providerId="LiveId" clId="{C60D05D3-7F6D-4182-AFF4-04BADAE9B601}" dt="2024-07-11T09:20:01.051" v="995" actId="1076"/>
+          <ac:picMkLst>
+            <pc:docMk/>
+            <pc:sldMk cId="1154538717" sldId="267"/>
+            <ac:picMk id="6" creationId="{AC31EF99-C453-9497-50E3-FFC4795B67B8}"/>
           </ac:picMkLst>
         </pc:picChg>
       </pc:sldChg>
@@ -14487,6 +14495,36 @@
           </a:p>
         </p:txBody>
       </p:sp>
+      <p:pic>
+        <p:nvPicPr>
+          <p:cNvPr id="6" name="图片 5">
+            <a:extLst>
+              <a:ext uri="{FF2B5EF4-FFF2-40B4-BE49-F238E27FC236}">
+                <a16:creationId xmlns:a16="http://schemas.microsoft.com/office/drawing/2014/main" id="{AC31EF99-C453-9497-50E3-FFC4795B67B8}"/>
+              </a:ext>
+            </a:extLst>
+          </p:cNvPr>
+          <p:cNvPicPr>
+            <a:picLocks noChangeAspect="1"/>
+          </p:cNvPicPr>
+          <p:nvPr/>
+        </p:nvPicPr>
+        <p:blipFill>
+          <a:blip r:embed="rId3"/>
+          <a:stretch>
+            <a:fillRect/>
+          </a:stretch>
+        </p:blipFill>
+        <p:spPr>
+          <a:xfrm>
+            <a:off x="203200" y="1251356"/>
+            <a:ext cx="4005942" cy="3492292"/>
+          </a:xfrm>
+          <a:prstGeom prst="rect">
+            <a:avLst/>
+          </a:prstGeom>
+        </p:spPr>
+      </p:pic>
     </p:spTree>
     <p:extLst>
       <p:ext uri="{BB962C8B-B14F-4D97-AF65-F5344CB8AC3E}">
@@ -14497,6 +14535,89 @@
   <p:clrMapOvr>
     <a:masterClrMapping/>
   </p:clrMapOvr>
+  <p:timing>
+    <p:tnLst>
+      <p:par>
+        <p:cTn id="1" dur="indefinite" restart="never" nodeType="tmRoot">
+          <p:childTnLst>
+            <p:seq concurrent="1" nextAc="seek">
+              <p:cTn id="2" dur="indefinite" nodeType="mainSeq">
+                <p:childTnLst>
+                  <p:par>
+                    <p:cTn id="3" fill="hold">
+                      <p:stCondLst>
+                        <p:cond delay="indefinite"/>
+                      </p:stCondLst>
+                      <p:childTnLst>
+                        <p:par>
+                          <p:cTn id="4" fill="hold">
+                            <p:stCondLst>
+                              <p:cond delay="0"/>
+                            </p:stCondLst>
+                            <p:childTnLst>
+                              <p:par>
+                                <p:cTn id="5" presetID="10" presetClass="entr" presetSubtype="0" fill="hold" nodeType="clickEffect">
+                                  <p:stCondLst>
+                                    <p:cond delay="0"/>
+                                  </p:stCondLst>
+                                  <p:childTnLst>
+                                    <p:set>
+                                      <p:cBhvr>
+                                        <p:cTn id="6" dur="1" fill="hold">
+                                          <p:stCondLst>
+                                            <p:cond delay="0"/>
+                                          </p:stCondLst>
+                                        </p:cTn>
+                                        <p:tgtEl>
+                                          <p:spTgt spid="6"/>
+                                        </p:tgtEl>
+                                        <p:attrNameLst>
+                                          <p:attrName>style.visibility</p:attrName>
+                                        </p:attrNameLst>
+                                      </p:cBhvr>
+                                      <p:to>
+                                        <p:strVal val="visible"/>
+                                      </p:to>
+                                    </p:set>
+                                    <p:animEffect transition="in" filter="fade">
+                                      <p:cBhvr>
+                                        <p:cTn id="7" dur="500"/>
+                                        <p:tgtEl>
+                                          <p:spTgt spid="6"/>
+                                        </p:tgtEl>
+                                      </p:cBhvr>
+                                    </p:animEffect>
+                                  </p:childTnLst>
+                                </p:cTn>
+                              </p:par>
+                            </p:childTnLst>
+                          </p:cTn>
+                        </p:par>
+                      </p:childTnLst>
+                    </p:cTn>
+                  </p:par>
+                </p:childTnLst>
+              </p:cTn>
+              <p:prevCondLst>
+                <p:cond evt="onPrev" delay="0">
+                  <p:tgtEl>
+                    <p:sldTgt/>
+                  </p:tgtEl>
+                </p:cond>
+              </p:prevCondLst>
+              <p:nextCondLst>
+                <p:cond evt="onNext" delay="0">
+                  <p:tgtEl>
+                    <p:sldTgt/>
+                  </p:tgtEl>
+                </p:cond>
+              </p:nextCondLst>
+            </p:seq>
+          </p:childTnLst>
+        </p:cTn>
+      </p:par>
+    </p:tnLst>
+  </p:timing>
 </p:sld>
 </file>
 

--- a/doc/Steam_DA_overview.pptx
+++ b/doc/Steam_DA_overview.pptx
@@ -5,7 +5,7 @@
     <p:sldMasterId id="2147483659" r:id="rId1"/>
   </p:sldMasterIdLst>
   <p:notesMasterIdLst>
-    <p:notesMasterId r:id="rId13"/>
+    <p:notesMasterId r:id="rId14"/>
   </p:notesMasterIdLst>
   <p:sldIdLst>
     <p:sldId id="256" r:id="rId2"/>
@@ -18,17 +18,18 @@
     <p:sldId id="258" r:id="rId9"/>
     <p:sldId id="271" r:id="rId10"/>
     <p:sldId id="262" r:id="rId11"/>
-    <p:sldId id="260" r:id="rId12"/>
+    <p:sldId id="272" r:id="rId12"/>
+    <p:sldId id="260" r:id="rId13"/>
   </p:sldIdLst>
   <p:sldSz cx="9144000" cy="5143500" type="screen16x9"/>
   <p:notesSz cx="6858000" cy="9144000"/>
   <p:embeddedFontLst>
     <p:embeddedFont>
       <p:font typeface="Roboto" panose="02000000000000000000" pitchFamily="2" charset="0"/>
-      <p:regular r:id="rId14"/>
-      <p:bold r:id="rId15"/>
-      <p:italic r:id="rId16"/>
-      <p:boldItalic r:id="rId17"/>
+      <p:regular r:id="rId15"/>
+      <p:bold r:id="rId16"/>
+      <p:italic r:id="rId17"/>
+      <p:boldItalic r:id="rId18"/>
     </p:embeddedFont>
   </p:embeddedFontLst>
   <p:defaultTextStyle>
@@ -285,7 +286,7 @@
 <file path=ppt/revisionInfo.xml><?xml version="1.0" encoding="utf-8"?>
 <p1510:revInfo xmlns:a="http://schemas.openxmlformats.org/drawingml/2006/main" xmlns:r="http://schemas.openxmlformats.org/officeDocument/2006/relationships" xmlns:p1510="http://schemas.microsoft.com/office/powerpoint/2015/10/main">
   <p1510:revLst>
-    <p1510:client id="{C60D05D3-7F6D-4182-AFF4-04BADAE9B601}" v="4" dt="2024-07-11T09:20:45.566"/>
+    <p1510:client id="{C60D05D3-7F6D-4182-AFF4-04BADAE9B601}" v="7" dt="2024-07-12T09:17:14.569"/>
   </p1510:revLst>
 </p1510:revInfo>
 </file>
@@ -295,7 +296,7 @@
   <pc:docChgLst>
     <pc:chgData name="Zeyu Liu" userId="46f723ae19f75f51" providerId="LiveId" clId="{C60D05D3-7F6D-4182-AFF4-04BADAE9B601}"/>
     <pc:docChg chg="undo redo custSel addSld delSld modSld">
-      <pc:chgData name="Zeyu Liu" userId="46f723ae19f75f51" providerId="LiveId" clId="{C60D05D3-7F6D-4182-AFF4-04BADAE9B601}" dt="2024-07-11T09:20:45.566" v="999"/>
+      <pc:chgData name="Zeyu Liu" userId="46f723ae19f75f51" providerId="LiveId" clId="{C60D05D3-7F6D-4182-AFF4-04BADAE9B601}" dt="2024-07-12T09:17:14.569" v="1088"/>
       <pc:docMkLst>
         <pc:docMk/>
       </pc:docMkLst>
@@ -1211,8 +1212,8 @@
           </ac:picMkLst>
         </pc:picChg>
       </pc:sldChg>
-      <pc:sldChg chg="addSp delSp modSp add mod modAnim">
-        <pc:chgData name="Zeyu Liu" userId="46f723ae19f75f51" providerId="LiveId" clId="{C60D05D3-7F6D-4182-AFF4-04BADAE9B601}" dt="2024-07-11T09:20:45.566" v="999"/>
+      <pc:sldChg chg="addSp delSp modSp add mod delAnim modAnim">
+        <pc:chgData name="Zeyu Liu" userId="46f723ae19f75f51" providerId="LiveId" clId="{C60D05D3-7F6D-4182-AFF4-04BADAE9B601}" dt="2024-07-12T08:15:08.055" v="1001" actId="21"/>
         <pc:sldMkLst>
           <pc:docMk/>
           <pc:sldMk cId="1154538717" sldId="267"/>
@@ -1249,8 +1250,8 @@
             <ac:picMk id="2" creationId="{8A0E86B1-A687-DDF5-B22A-C7B9FEA42FB2}"/>
           </ac:picMkLst>
         </pc:picChg>
-        <pc:picChg chg="add mod">
-          <ac:chgData name="Zeyu Liu" userId="46f723ae19f75f51" providerId="LiveId" clId="{C60D05D3-7F6D-4182-AFF4-04BADAE9B601}" dt="2024-07-11T09:20:01.051" v="995" actId="1076"/>
+        <pc:picChg chg="add del mod">
+          <ac:chgData name="Zeyu Liu" userId="46f723ae19f75f51" providerId="LiveId" clId="{C60D05D3-7F6D-4182-AFF4-04BADAE9B601}" dt="2024-07-12T08:15:08.055" v="1001" actId="21"/>
           <ac:picMkLst>
             <pc:docMk/>
             <pc:sldMk cId="1154538717" sldId="267"/>
@@ -1317,6 +1318,45 @@
             <pc:docMk/>
             <pc:sldMk cId="1229451825" sldId="269"/>
             <ac:picMk id="6" creationId="{5B3BD882-7F8B-B644-02E4-FAF623F8AB3B}"/>
+          </ac:picMkLst>
+        </pc:picChg>
+      </pc:sldChg>
+      <pc:sldChg chg="addSp delSp modSp add mod">
+        <pc:chgData name="Zeyu Liu" userId="46f723ae19f75f51" providerId="LiveId" clId="{C60D05D3-7F6D-4182-AFF4-04BADAE9B601}" dt="2024-07-12T09:17:14.569" v="1088"/>
+        <pc:sldMkLst>
+          <pc:docMk/>
+          <pc:sldMk cId="1432149993" sldId="272"/>
+        </pc:sldMkLst>
+        <pc:spChg chg="add del mod">
+          <ac:chgData name="Zeyu Liu" userId="46f723ae19f75f51" providerId="LiveId" clId="{C60D05D3-7F6D-4182-AFF4-04BADAE9B601}" dt="2024-07-12T09:16:41.836" v="1084" actId="478"/>
+          <ac:spMkLst>
+            <pc:docMk/>
+            <pc:sldMk cId="1432149993" sldId="272"/>
+            <ac:spMk id="2" creationId="{383E2065-1AF3-368B-1498-282F7672F044}"/>
+          </ac:spMkLst>
+        </pc:spChg>
+        <pc:spChg chg="mod">
+          <ac:chgData name="Zeyu Liu" userId="46f723ae19f75f51" providerId="LiveId" clId="{C60D05D3-7F6D-4182-AFF4-04BADAE9B601}" dt="2024-07-12T09:11:31.392" v="1077" actId="20577"/>
+          <ac:spMkLst>
+            <pc:docMk/>
+            <pc:sldMk cId="1432149993" sldId="272"/>
+            <ac:spMk id="171" creationId="{00000000-0000-0000-0000-000000000000}"/>
+          </ac:spMkLst>
+        </pc:spChg>
+        <pc:picChg chg="del">
+          <ac:chgData name="Zeyu Liu" userId="46f723ae19f75f51" providerId="LiveId" clId="{C60D05D3-7F6D-4182-AFF4-04BADAE9B601}" dt="2024-07-12T09:11:33.681" v="1078" actId="478"/>
+          <ac:picMkLst>
+            <pc:docMk/>
+            <pc:sldMk cId="1432149993" sldId="272"/>
+            <ac:picMk id="4" creationId="{273384C1-8500-2FC1-8229-43433ADBC1F5}"/>
+          </ac:picMkLst>
+        </pc:picChg>
+        <pc:picChg chg="add mod">
+          <ac:chgData name="Zeyu Liu" userId="46f723ae19f75f51" providerId="LiveId" clId="{C60D05D3-7F6D-4182-AFF4-04BADAE9B601}" dt="2024-07-12T09:17:14.569" v="1088"/>
+          <ac:picMkLst>
+            <pc:docMk/>
+            <pc:sldMk cId="1432149993" sldId="272"/>
+            <ac:picMk id="5" creationId="{5EC40F2E-869C-61DD-A54B-77EE54D8D7C8}"/>
           </ac:picMkLst>
         </pc:picChg>
       </pc:sldChg>
@@ -2913,6 +2953,115 @@
 </file>
 
 <file path=ppt/notesSlides/notesSlide5.xml><?xml version="1.0" encoding="utf-8"?>
+<p:notes xmlns:a="http://schemas.openxmlformats.org/drawingml/2006/main" xmlns:r="http://schemas.openxmlformats.org/officeDocument/2006/relationships" xmlns:p="http://schemas.openxmlformats.org/presentationml/2006/main" showMasterSp="0" showMasterPhAnim="0">
+  <p:cSld>
+    <p:spTree>
+      <p:nvGrpSpPr>
+        <p:cNvPr id="1" name="Shape 167"/>
+        <p:cNvGrpSpPr/>
+        <p:nvPr/>
+      </p:nvGrpSpPr>
+      <p:grpSpPr>
+        <a:xfrm>
+          <a:off x="0" y="0"/>
+          <a:ext cx="0" cy="0"/>
+          <a:chOff x="0" y="0"/>
+          <a:chExt cx="0" cy="0"/>
+        </a:xfrm>
+      </p:grpSpPr>
+      <p:sp>
+        <p:nvSpPr>
+          <p:cNvPr id="168" name="Google Shape;168;gc6f9e470d_0_80:notes"/>
+          <p:cNvSpPr>
+            <a:spLocks noGrp="1" noRot="1" noChangeAspect="1"/>
+          </p:cNvSpPr>
+          <p:nvPr>
+            <p:ph type="sldImg" idx="2"/>
+          </p:nvPr>
+        </p:nvSpPr>
+        <p:spPr>
+          <a:xfrm>
+            <a:off x="381000" y="685800"/>
+            <a:ext cx="6096000" cy="3429000"/>
+          </a:xfrm>
+          <a:custGeom>
+            <a:avLst/>
+            <a:gdLst/>
+            <a:ahLst/>
+            <a:cxnLst/>
+            <a:rect l="l" t="t" r="r" b="b"/>
+            <a:pathLst>
+              <a:path w="120000" h="120000" extrusionOk="0">
+                <a:moveTo>
+                  <a:pt x="0" y="0"/>
+                </a:moveTo>
+                <a:lnTo>
+                  <a:pt x="120000" y="0"/>
+                </a:lnTo>
+                <a:lnTo>
+                  <a:pt x="120000" y="120000"/>
+                </a:lnTo>
+                <a:lnTo>
+                  <a:pt x="0" y="120000"/>
+                </a:lnTo>
+                <a:close/>
+              </a:path>
+            </a:pathLst>
+          </a:custGeom>
+        </p:spPr>
+      </p:sp>
+      <p:sp>
+        <p:nvSpPr>
+          <p:cNvPr id="169" name="Google Shape;169;gc6f9e470d_0_80:notes"/>
+          <p:cNvSpPr txBox="1">
+            <a:spLocks noGrp="1"/>
+          </p:cNvSpPr>
+          <p:nvPr>
+            <p:ph type="body" idx="1"/>
+          </p:nvPr>
+        </p:nvSpPr>
+        <p:spPr>
+          <a:xfrm>
+            <a:off x="685800" y="4343400"/>
+            <a:ext cx="5486400" cy="4114800"/>
+          </a:xfrm>
+          <a:prstGeom prst="rect">
+            <a:avLst/>
+          </a:prstGeom>
+        </p:spPr>
+        <p:txBody>
+          <a:bodyPr spcFirstLastPara="1" wrap="square" lIns="91425" tIns="91425" rIns="91425" bIns="91425" anchor="t" anchorCtr="0">
+            <a:noAutofit/>
+          </a:bodyPr>
+          <a:lstStyle/>
+          <a:p>
+            <a:pPr marL="0" lvl="0" indent="0" algn="l" rtl="0">
+              <a:spcBef>
+                <a:spcPts val="0"/>
+              </a:spcBef>
+              <a:spcAft>
+                <a:spcPts val="0"/>
+              </a:spcAft>
+              <a:buNone/>
+            </a:pPr>
+            <a:endParaRPr/>
+          </a:p>
+        </p:txBody>
+      </p:sp>
+    </p:spTree>
+    <p:extLst>
+      <p:ext uri="{BB962C8B-B14F-4D97-AF65-F5344CB8AC3E}">
+        <p14:creationId xmlns:p14="http://schemas.microsoft.com/office/powerpoint/2010/main" val="4103018323"/>
+      </p:ext>
+    </p:extLst>
+  </p:cSld>
+  <p:clrMapOvr>
+    <a:masterClrMapping/>
+  </p:clrMapOvr>
+</p:notes>
+</file>
+
+<file path=ppt/notesSlides/notesSlide6.xml><?xml version="1.0" encoding="utf-8"?>
 <p:notes xmlns:a="http://schemas.openxmlformats.org/drawingml/2006/main" xmlns:r="http://schemas.openxmlformats.org/officeDocument/2006/relationships" xmlns:p="http://schemas.openxmlformats.org/presentationml/2006/main" showMasterSp="0" showMasterPhAnim="0">
   <p:cSld>
     <p:spTree>
@@ -9685,6 +9834,139 @@
 </file>
 
 <file path=ppt/slides/slide11.xml><?xml version="1.0" encoding="utf-8"?>
+<p:sld xmlns:a="http://schemas.openxmlformats.org/drawingml/2006/main" xmlns:r="http://schemas.openxmlformats.org/officeDocument/2006/relationships" xmlns:p="http://schemas.openxmlformats.org/presentationml/2006/main">
+  <p:cSld>
+    <p:spTree>
+      <p:nvGrpSpPr>
+        <p:cNvPr id="1" name="Shape 170"/>
+        <p:cNvGrpSpPr/>
+        <p:nvPr/>
+      </p:nvGrpSpPr>
+      <p:grpSpPr>
+        <a:xfrm>
+          <a:off x="0" y="0"/>
+          <a:ext cx="0" cy="0"/>
+          <a:chOff x="0" y="0"/>
+          <a:chExt cx="0" cy="0"/>
+        </a:xfrm>
+      </p:grpSpPr>
+      <p:sp>
+        <p:nvSpPr>
+          <p:cNvPr id="171" name="Google Shape;171;p19"/>
+          <p:cNvSpPr txBox="1">
+            <a:spLocks noGrp="1"/>
+          </p:cNvSpPr>
+          <p:nvPr>
+            <p:ph type="title"/>
+          </p:nvPr>
+        </p:nvSpPr>
+        <p:spPr>
+          <a:xfrm>
+            <a:off x="311700" y="410000"/>
+            <a:ext cx="8520600" cy="607800"/>
+          </a:xfrm>
+          <a:prstGeom prst="rect">
+            <a:avLst/>
+          </a:prstGeom>
+        </p:spPr>
+        <p:txBody>
+          <a:bodyPr spcFirstLastPara="1" wrap="square" lIns="91425" tIns="91425" rIns="91425" bIns="91425" anchor="t" anchorCtr="0">
+            <a:noAutofit/>
+          </a:bodyPr>
+          <a:lstStyle/>
+          <a:p>
+            <a:pPr marL="0" lvl="0" indent="0" algn="l" rtl="0">
+              <a:spcBef>
+                <a:spcPts val="0"/>
+              </a:spcBef>
+              <a:spcAft>
+                <a:spcPts val="0"/>
+              </a:spcAft>
+              <a:buNone/>
+            </a:pPr>
+            <a:r>
+              <a:rPr lang="en-US" dirty="0"/>
+              <a:t>More Visualization From Tableau</a:t>
+            </a:r>
+            <a:endParaRPr dirty="0"/>
+          </a:p>
+        </p:txBody>
+      </p:sp>
+      <p:pic>
+        <p:nvPicPr>
+          <p:cNvPr id="5" name="图片 4">
+            <a:hlinkClick r:id="rId3"/>
+            <a:extLst>
+              <a:ext uri="{FF2B5EF4-FFF2-40B4-BE49-F238E27FC236}">
+                <a16:creationId xmlns:a16="http://schemas.microsoft.com/office/drawing/2014/main" id="{5EC40F2E-869C-61DD-A54B-77EE54D8D7C8}"/>
+              </a:ext>
+            </a:extLst>
+          </p:cNvPr>
+          <p:cNvPicPr>
+            <a:picLocks noChangeAspect="1"/>
+          </p:cNvPicPr>
+          <p:nvPr/>
+        </p:nvPicPr>
+        <p:blipFill>
+          <a:blip r:embed="rId4"/>
+          <a:stretch>
+            <a:fillRect/>
+          </a:stretch>
+        </p:blipFill>
+        <p:spPr>
+          <a:xfrm>
+            <a:off x="1151468" y="1118013"/>
+            <a:ext cx="5679922" cy="3642864"/>
+          </a:xfrm>
+          <a:prstGeom prst="rect">
+            <a:avLst/>
+          </a:prstGeom>
+          <a:solidFill>
+            <a:srgbClr val="FFFFFF">
+              <a:shade val="85000"/>
+            </a:srgbClr>
+          </a:solidFill>
+          <a:ln w="88900" cap="sq">
+            <a:solidFill>
+              <a:srgbClr val="FFFFFF"/>
+            </a:solidFill>
+            <a:miter lim="800000"/>
+          </a:ln>
+          <a:effectLst>
+            <a:outerShdw blurRad="55000" dist="18000" dir="5400000" algn="tl" rotWithShape="0">
+              <a:srgbClr val="000000">
+                <a:alpha val="40000"/>
+              </a:srgbClr>
+            </a:outerShdw>
+          </a:effectLst>
+          <a:scene3d>
+            <a:camera prst="orthographicFront"/>
+            <a:lightRig rig="twoPt" dir="t">
+              <a:rot lat="0" lon="0" rev="7200000"/>
+            </a:lightRig>
+          </a:scene3d>
+          <a:sp3d>
+            <a:bevelT w="25400" h="19050"/>
+            <a:contourClr>
+              <a:srgbClr val="FFFFFF"/>
+            </a:contourClr>
+          </a:sp3d>
+        </p:spPr>
+      </p:pic>
+    </p:spTree>
+    <p:extLst>
+      <p:ext uri="{BB962C8B-B14F-4D97-AF65-F5344CB8AC3E}">
+        <p14:creationId xmlns:p14="http://schemas.microsoft.com/office/powerpoint/2010/main" val="1432149993"/>
+      </p:ext>
+    </p:extLst>
+  </p:cSld>
+  <p:clrMapOvr>
+    <a:masterClrMapping/>
+  </p:clrMapOvr>
+</p:sld>
+</file>
+
+<file path=ppt/slides/slide12.xml><?xml version="1.0" encoding="utf-8"?>
 <p:sld xmlns:a="http://schemas.openxmlformats.org/drawingml/2006/main" xmlns:r="http://schemas.openxmlformats.org/officeDocument/2006/relationships" xmlns:p="http://schemas.openxmlformats.org/presentationml/2006/main">
   <p:cSld>
     <p:spTree>
@@ -14495,36 +14777,6 @@
           </a:p>
         </p:txBody>
       </p:sp>
-      <p:pic>
-        <p:nvPicPr>
-          <p:cNvPr id="6" name="图片 5">
-            <a:extLst>
-              <a:ext uri="{FF2B5EF4-FFF2-40B4-BE49-F238E27FC236}">
-                <a16:creationId xmlns:a16="http://schemas.microsoft.com/office/drawing/2014/main" id="{AC31EF99-C453-9497-50E3-FFC4795B67B8}"/>
-              </a:ext>
-            </a:extLst>
-          </p:cNvPr>
-          <p:cNvPicPr>
-            <a:picLocks noChangeAspect="1"/>
-          </p:cNvPicPr>
-          <p:nvPr/>
-        </p:nvPicPr>
-        <p:blipFill>
-          <a:blip r:embed="rId3"/>
-          <a:stretch>
-            <a:fillRect/>
-          </a:stretch>
-        </p:blipFill>
-        <p:spPr>
-          <a:xfrm>
-            <a:off x="203200" y="1251356"/>
-            <a:ext cx="4005942" cy="3492292"/>
-          </a:xfrm>
-          <a:prstGeom prst="rect">
-            <a:avLst/>
-          </a:prstGeom>
-        </p:spPr>
-      </p:pic>
     </p:spTree>
     <p:extLst>
       <p:ext uri="{BB962C8B-B14F-4D97-AF65-F5344CB8AC3E}">
@@ -14535,89 +14787,6 @@
   <p:clrMapOvr>
     <a:masterClrMapping/>
   </p:clrMapOvr>
-  <p:timing>
-    <p:tnLst>
-      <p:par>
-        <p:cTn id="1" dur="indefinite" restart="never" nodeType="tmRoot">
-          <p:childTnLst>
-            <p:seq concurrent="1" nextAc="seek">
-              <p:cTn id="2" dur="indefinite" nodeType="mainSeq">
-                <p:childTnLst>
-                  <p:par>
-                    <p:cTn id="3" fill="hold">
-                      <p:stCondLst>
-                        <p:cond delay="indefinite"/>
-                      </p:stCondLst>
-                      <p:childTnLst>
-                        <p:par>
-                          <p:cTn id="4" fill="hold">
-                            <p:stCondLst>
-                              <p:cond delay="0"/>
-                            </p:stCondLst>
-                            <p:childTnLst>
-                              <p:par>
-                                <p:cTn id="5" presetID="10" presetClass="entr" presetSubtype="0" fill="hold" nodeType="clickEffect">
-                                  <p:stCondLst>
-                                    <p:cond delay="0"/>
-                                  </p:stCondLst>
-                                  <p:childTnLst>
-                                    <p:set>
-                                      <p:cBhvr>
-                                        <p:cTn id="6" dur="1" fill="hold">
-                                          <p:stCondLst>
-                                            <p:cond delay="0"/>
-                                          </p:stCondLst>
-                                        </p:cTn>
-                                        <p:tgtEl>
-                                          <p:spTgt spid="6"/>
-                                        </p:tgtEl>
-                                        <p:attrNameLst>
-                                          <p:attrName>style.visibility</p:attrName>
-                                        </p:attrNameLst>
-                                      </p:cBhvr>
-                                      <p:to>
-                                        <p:strVal val="visible"/>
-                                      </p:to>
-                                    </p:set>
-                                    <p:animEffect transition="in" filter="fade">
-                                      <p:cBhvr>
-                                        <p:cTn id="7" dur="500"/>
-                                        <p:tgtEl>
-                                          <p:spTgt spid="6"/>
-                                        </p:tgtEl>
-                                      </p:cBhvr>
-                                    </p:animEffect>
-                                  </p:childTnLst>
-                                </p:cTn>
-                              </p:par>
-                            </p:childTnLst>
-                          </p:cTn>
-                        </p:par>
-                      </p:childTnLst>
-                    </p:cTn>
-                  </p:par>
-                </p:childTnLst>
-              </p:cTn>
-              <p:prevCondLst>
-                <p:cond evt="onPrev" delay="0">
-                  <p:tgtEl>
-                    <p:sldTgt/>
-                  </p:tgtEl>
-                </p:cond>
-              </p:prevCondLst>
-              <p:nextCondLst>
-                <p:cond evt="onNext" delay="0">
-                  <p:tgtEl>
-                    <p:sldTgt/>
-                  </p:tgtEl>
-                </p:cond>
-              </p:nextCondLst>
-            </p:seq>
-          </p:childTnLst>
-        </p:cTn>
-      </p:par>
-    </p:tnLst>
-  </p:timing>
 </p:sld>
 </file>
 

--- a/doc/Steam_DA_overview.pptx
+++ b/doc/Steam_DA_overview.pptx
@@ -286,7 +286,7 @@
 <file path=ppt/revisionInfo.xml><?xml version="1.0" encoding="utf-8"?>
 <p1510:revInfo xmlns:a="http://schemas.openxmlformats.org/drawingml/2006/main" xmlns:r="http://schemas.openxmlformats.org/officeDocument/2006/relationships" xmlns:p1510="http://schemas.microsoft.com/office/powerpoint/2015/10/main">
   <p1510:revLst>
-    <p1510:client id="{C60D05D3-7F6D-4182-AFF4-04BADAE9B601}" v="7" dt="2024-07-12T09:17:14.569"/>
+    <p1510:client id="{C60D05D3-7F6D-4182-AFF4-04BADAE9B601}" v="22" dt="2024-07-12T09:43:29.024"/>
   </p1510:revLst>
 </p1510:revInfo>
 </file>
@@ -296,18 +296,18 @@
   <pc:docChgLst>
     <pc:chgData name="Zeyu Liu" userId="46f723ae19f75f51" providerId="LiveId" clId="{C60D05D3-7F6D-4182-AFF4-04BADAE9B601}"/>
     <pc:docChg chg="undo redo custSel addSld delSld modSld">
-      <pc:chgData name="Zeyu Liu" userId="46f723ae19f75f51" providerId="LiveId" clId="{C60D05D3-7F6D-4182-AFF4-04BADAE9B601}" dt="2024-07-12T09:17:14.569" v="1088"/>
+      <pc:chgData name="Zeyu Liu" userId="46f723ae19f75f51" providerId="LiveId" clId="{C60D05D3-7F6D-4182-AFF4-04BADAE9B601}" dt="2024-07-12T09:44:53.952" v="1346" actId="14100"/>
       <pc:docMkLst>
         <pc:docMk/>
       </pc:docMkLst>
       <pc:sldChg chg="addSp delSp modSp mod">
-        <pc:chgData name="Zeyu Liu" userId="46f723ae19f75f51" providerId="LiveId" clId="{C60D05D3-7F6D-4182-AFF4-04BADAE9B601}" dt="2024-06-15T09:31:23.832" v="768" actId="1076"/>
+        <pc:chgData name="Zeyu Liu" userId="46f723ae19f75f51" providerId="LiveId" clId="{C60D05D3-7F6D-4182-AFF4-04BADAE9B601}" dt="2024-07-12T09:44:53.952" v="1346" actId="14100"/>
         <pc:sldMkLst>
           <pc:docMk/>
           <pc:sldMk cId="0" sldId="256"/>
         </pc:sldMkLst>
         <pc:spChg chg="add mod">
-          <ac:chgData name="Zeyu Liu" userId="46f723ae19f75f51" providerId="LiveId" clId="{C60D05D3-7F6D-4182-AFF4-04BADAE9B601}" dt="2024-06-15T08:10:34.682" v="158" actId="553"/>
+          <ac:chgData name="Zeyu Liu" userId="46f723ae19f75f51" providerId="LiveId" clId="{C60D05D3-7F6D-4182-AFF4-04BADAE9B601}" dt="2024-07-12T09:44:53.952" v="1346" actId="14100"/>
           <ac:spMkLst>
             <pc:docMk/>
             <pc:sldMk cId="0" sldId="256"/>
@@ -425,18 +425,122 @@
           </ac:picMkLst>
         </pc:picChg>
       </pc:sldChg>
-      <pc:sldChg chg="modSp mod">
-        <pc:chgData name="Zeyu Liu" userId="46f723ae19f75f51" providerId="LiveId" clId="{C60D05D3-7F6D-4182-AFF4-04BADAE9B601}" dt="2024-06-17T12:04:06.873" v="925" actId="1037"/>
+      <pc:sldChg chg="addSp delSp modSp mod">
+        <pc:chgData name="Zeyu Liu" userId="46f723ae19f75f51" providerId="LiveId" clId="{C60D05D3-7F6D-4182-AFF4-04BADAE9B601}" dt="2024-07-12T09:44:33.806" v="1342" actId="1076"/>
         <pc:sldMkLst>
           <pc:docMk/>
           <pc:sldMk cId="0" sldId="260"/>
         </pc:sldMkLst>
-        <pc:picChg chg="mod">
-          <ac:chgData name="Zeyu Liu" userId="46f723ae19f75f51" providerId="LiveId" clId="{C60D05D3-7F6D-4182-AFF4-04BADAE9B601}" dt="2024-06-17T12:04:06.873" v="925" actId="1037"/>
+        <pc:spChg chg="add del mod">
+          <ac:chgData name="Zeyu Liu" userId="46f723ae19f75f51" providerId="LiveId" clId="{C60D05D3-7F6D-4182-AFF4-04BADAE9B601}" dt="2024-07-12T09:31:39.084" v="1104" actId="478"/>
+          <ac:spMkLst>
+            <pc:docMk/>
+            <pc:sldMk cId="0" sldId="260"/>
+            <ac:spMk id="3" creationId="{DA66551D-FEC4-F21B-DAED-683B7F9B3345}"/>
+          </ac:spMkLst>
+        </pc:spChg>
+        <pc:spChg chg="add del mod ord">
+          <ac:chgData name="Zeyu Liu" userId="46f723ae19f75f51" providerId="LiveId" clId="{C60D05D3-7F6D-4182-AFF4-04BADAE9B601}" dt="2024-07-12T09:37:59.452" v="1265" actId="478"/>
+          <ac:spMkLst>
+            <pc:docMk/>
+            <pc:sldMk cId="0" sldId="260"/>
+            <ac:spMk id="7" creationId="{2B9F3E48-B1A0-1A4E-476A-B874867EF071}"/>
+          </ac:spMkLst>
+        </pc:spChg>
+        <pc:spChg chg="add mod">
+          <ac:chgData name="Zeyu Liu" userId="46f723ae19f75f51" providerId="LiveId" clId="{C60D05D3-7F6D-4182-AFF4-04BADAE9B601}" dt="2024-07-12T09:44:33.806" v="1342" actId="1076"/>
+          <ac:spMkLst>
+            <pc:docMk/>
+            <pc:sldMk cId="0" sldId="260"/>
+            <ac:spMk id="24" creationId="{7C952037-D0F8-5D2F-A9A2-0B82E6543286}"/>
+          </ac:spMkLst>
+        </pc:spChg>
+        <pc:picChg chg="mod ord modCrop">
+          <ac:chgData name="Zeyu Liu" userId="46f723ae19f75f51" providerId="LiveId" clId="{C60D05D3-7F6D-4182-AFF4-04BADAE9B601}" dt="2024-07-12T09:31:41.537" v="1105" actId="1076"/>
           <ac:picMkLst>
             <pc:docMk/>
             <pc:sldMk cId="0" sldId="260"/>
             <ac:picMk id="2" creationId="{5A7DAF9B-24E7-4427-37DC-EC6B401336E2}"/>
+          </ac:picMkLst>
+        </pc:picChg>
+        <pc:picChg chg="add del mod ord">
+          <ac:chgData name="Zeyu Liu" userId="46f723ae19f75f51" providerId="LiveId" clId="{C60D05D3-7F6D-4182-AFF4-04BADAE9B601}" dt="2024-07-12T09:38:01.224" v="1266" actId="478"/>
+          <ac:picMkLst>
+            <pc:docMk/>
+            <pc:sldMk cId="0" sldId="260"/>
+            <ac:picMk id="5" creationId="{2BFA1C26-C266-6BAF-BFCC-7F1AB135317C}"/>
+          </ac:picMkLst>
+        </pc:picChg>
+        <pc:picChg chg="add mod">
+          <ac:chgData name="Zeyu Liu" userId="46f723ae19f75f51" providerId="LiveId" clId="{C60D05D3-7F6D-4182-AFF4-04BADAE9B601}" dt="2024-07-12T09:32:35.190" v="1109"/>
+          <ac:picMkLst>
+            <pc:docMk/>
+            <pc:sldMk cId="0" sldId="260"/>
+            <ac:picMk id="6" creationId="{C46FBFAD-BE09-E7B0-E6F9-1591C9A41827}"/>
+          </ac:picMkLst>
+        </pc:picChg>
+        <pc:picChg chg="add del mod">
+          <ac:chgData name="Zeyu Liu" userId="46f723ae19f75f51" providerId="LiveId" clId="{C60D05D3-7F6D-4182-AFF4-04BADAE9B601}" dt="2024-07-12T09:38:01.224" v="1266" actId="478"/>
+          <ac:picMkLst>
+            <pc:docMk/>
+            <pc:sldMk cId="0" sldId="260"/>
+            <ac:picMk id="9" creationId="{F333E6F2-5995-102C-2B58-D18E23B485A1}"/>
+          </ac:picMkLst>
+        </pc:picChg>
+        <pc:picChg chg="add del mod">
+          <ac:chgData name="Zeyu Liu" userId="46f723ae19f75f51" providerId="LiveId" clId="{C60D05D3-7F6D-4182-AFF4-04BADAE9B601}" dt="2024-07-12T09:38:01.224" v="1266" actId="478"/>
+          <ac:picMkLst>
+            <pc:docMk/>
+            <pc:sldMk cId="0" sldId="260"/>
+            <ac:picMk id="11" creationId="{7CE58FA5-D641-0B78-35E0-EFE5438F072D}"/>
+          </ac:picMkLst>
+        </pc:picChg>
+        <pc:picChg chg="add mod">
+          <ac:chgData name="Zeyu Liu" userId="46f723ae19f75f51" providerId="LiveId" clId="{C60D05D3-7F6D-4182-AFF4-04BADAE9B601}" dt="2024-07-12T09:34:50.681" v="1213"/>
+          <ac:picMkLst>
+            <pc:docMk/>
+            <pc:sldMk cId="0" sldId="260"/>
+            <ac:picMk id="13" creationId="{C94A52B9-247F-FD7E-F563-B438ECA7A74D}"/>
+          </ac:picMkLst>
+        </pc:picChg>
+        <pc:picChg chg="add del mod">
+          <ac:chgData name="Zeyu Liu" userId="46f723ae19f75f51" providerId="LiveId" clId="{C60D05D3-7F6D-4182-AFF4-04BADAE9B601}" dt="2024-07-12T09:38:01.224" v="1266" actId="478"/>
+          <ac:picMkLst>
+            <pc:docMk/>
+            <pc:sldMk cId="0" sldId="260"/>
+            <ac:picMk id="15" creationId="{47B00C1B-EBD1-340D-C51E-5CEBD79B6AAF}"/>
+          </ac:picMkLst>
+        </pc:picChg>
+        <pc:picChg chg="add mod">
+          <ac:chgData name="Zeyu Liu" userId="46f723ae19f75f51" providerId="LiveId" clId="{C60D05D3-7F6D-4182-AFF4-04BADAE9B601}" dt="2024-07-12T09:39:12.864" v="1293"/>
+          <ac:picMkLst>
+            <pc:docMk/>
+            <pc:sldMk cId="0" sldId="260"/>
+            <ac:picMk id="17" creationId="{AB2B6AF0-C433-C027-571B-D4F8DB805ACF}"/>
+          </ac:picMkLst>
+        </pc:picChg>
+        <pc:picChg chg="add mod modCrop">
+          <ac:chgData name="Zeyu Liu" userId="46f723ae19f75f51" providerId="LiveId" clId="{C60D05D3-7F6D-4182-AFF4-04BADAE9B601}" dt="2024-07-12T09:40:21.291" v="1294"/>
+          <ac:picMkLst>
+            <pc:docMk/>
+            <pc:sldMk cId="0" sldId="260"/>
+            <ac:picMk id="19" creationId="{838C19BA-8727-8098-98CD-7E9E4212B643}"/>
+          </ac:picMkLst>
+        </pc:picChg>
+        <pc:picChg chg="add mod modCrop">
+          <ac:chgData name="Zeyu Liu" userId="46f723ae19f75f51" providerId="LiveId" clId="{C60D05D3-7F6D-4182-AFF4-04BADAE9B601}" dt="2024-07-12T09:41:30.329" v="1295"/>
+          <ac:picMkLst>
+            <pc:docMk/>
+            <pc:sldMk cId="0" sldId="260"/>
+            <ac:picMk id="21" creationId="{3B6B59A8-6D44-4DDE-5050-31C0E720BFA1}"/>
+          </ac:picMkLst>
+        </pc:picChg>
+        <pc:picChg chg="add mod">
+          <ac:chgData name="Zeyu Liu" userId="46f723ae19f75f51" providerId="LiveId" clId="{C60D05D3-7F6D-4182-AFF4-04BADAE9B601}" dt="2024-07-12T09:42:19.130" v="1296"/>
+          <ac:picMkLst>
+            <pc:docMk/>
+            <pc:sldMk cId="0" sldId="260"/>
+            <ac:picMk id="23" creationId="{973CA2AA-24EC-CAF1-F4DB-319E2A81BD47}"/>
           </ac:picMkLst>
         </pc:picChg>
       </pc:sldChg>
@@ -9136,8 +9240,8 @@
         </p:nvSpPr>
         <p:spPr>
           <a:xfrm>
-            <a:off x="7599218" y="3962822"/>
-            <a:ext cx="960041" cy="432900"/>
+            <a:off x="7328264" y="3962822"/>
+            <a:ext cx="1230996" cy="432900"/>
           </a:xfrm>
           <a:prstGeom prst="rect">
             <a:avLst/>
@@ -9402,7 +9506,7 @@
             <a:pPr marL="0" indent="0" algn="r"/>
             <a:r>
               <a:rPr lang="en-US" sz="1400" dirty="0"/>
-              <a:t>By: ZY Liu</a:t>
+              <a:t>By: Zeyu Liu</a:t>
             </a:r>
             <a:br>
               <a:rPr lang="en-US" sz="1400" dirty="0"/>
@@ -9985,6 +10089,60 @@
       </p:grpSpPr>
       <p:sp>
         <p:nvSpPr>
+          <p:cNvPr id="7" name="矩形 6">
+            <a:extLst>
+              <a:ext uri="{FF2B5EF4-FFF2-40B4-BE49-F238E27FC236}">
+                <a16:creationId xmlns:a16="http://schemas.microsoft.com/office/drawing/2014/main" id="{2B9F3E48-B1A0-1A4E-476A-B874867EF071}"/>
+              </a:ext>
+            </a:extLst>
+          </p:cNvPr>
+          <p:cNvSpPr/>
+          <p:nvPr/>
+        </p:nvSpPr>
+        <p:spPr>
+          <a:xfrm>
+            <a:off x="6032665" y="4478865"/>
+            <a:ext cx="2363981" cy="543633"/>
+          </a:xfrm>
+          <a:prstGeom prst="rect">
+            <a:avLst/>
+          </a:prstGeom>
+          <a:solidFill>
+            <a:schemeClr val="bg1">
+              <a:lumMod val="85000"/>
+            </a:schemeClr>
+          </a:solidFill>
+          <a:ln>
+            <a:noFill/>
+          </a:ln>
+        </p:spPr>
+        <p:style>
+          <a:lnRef idx="2">
+            <a:schemeClr val="accent1">
+              <a:shade val="15000"/>
+            </a:schemeClr>
+          </a:lnRef>
+          <a:fillRef idx="1">
+            <a:schemeClr val="accent1"/>
+          </a:fillRef>
+          <a:effectRef idx="0">
+            <a:schemeClr val="accent1"/>
+          </a:effectRef>
+          <a:fontRef idx="minor">
+            <a:schemeClr val="lt1"/>
+          </a:fontRef>
+        </p:style>
+        <p:txBody>
+          <a:bodyPr rtlCol="0" anchor="ctr"/>
+          <a:lstStyle/>
+          <a:p>
+            <a:pPr algn="ctr"/>
+            <a:endParaRPr lang="zh-CN" altLang="en-US" dirty="0"/>
+          </a:p>
+        </p:txBody>
+      </p:sp>
+      <p:sp>
+        <p:nvSpPr>
           <p:cNvPr id="132" name="Google Shape;132;p17"/>
           <p:cNvSpPr txBox="1">
             <a:spLocks noGrp="1"/>
@@ -10039,22 +10197,194 @@
           </p:cNvPicPr>
           <p:nvPr/>
         </p:nvPicPr>
+        <p:blipFill rotWithShape="1">
+          <a:blip r:embed="rId3"/>
+          <a:srcRect b="25449"/>
+          <a:stretch/>
+        </p:blipFill>
+        <p:spPr>
+          <a:xfrm>
+            <a:off x="6032666" y="3929492"/>
+            <a:ext cx="2363981" cy="550586"/>
+          </a:xfrm>
+          <a:prstGeom prst="rect">
+            <a:avLst/>
+          </a:prstGeom>
+        </p:spPr>
+      </p:pic>
+      <p:pic>
+        <p:nvPicPr>
+          <p:cNvPr id="17" name="图片 16">
+            <a:hlinkClick r:id="rId4"/>
+            <a:extLst>
+              <a:ext uri="{FF2B5EF4-FFF2-40B4-BE49-F238E27FC236}">
+                <a16:creationId xmlns:a16="http://schemas.microsoft.com/office/drawing/2014/main" id="{AB2B6AF0-C433-C027-571B-D4F8DB805ACF}"/>
+              </a:ext>
+            </a:extLst>
+          </p:cNvPr>
+          <p:cNvPicPr>
+            <a:picLocks noChangeAspect="1"/>
+          </p:cNvPicPr>
+          <p:nvPr/>
+        </p:nvPicPr>
         <p:blipFill>
-          <a:blip r:embed="rId3"/>
+          <a:blip r:embed="rId5"/>
           <a:stretch>
             <a:fillRect/>
           </a:stretch>
         </p:blipFill>
         <p:spPr>
           <a:xfrm>
-            <a:off x="6410038" y="4095926"/>
-            <a:ext cx="2363981" cy="738539"/>
+            <a:off x="6045855" y="4544283"/>
+            <a:ext cx="413120" cy="420432"/>
           </a:xfrm>
           <a:prstGeom prst="rect">
             <a:avLst/>
           </a:prstGeom>
         </p:spPr>
       </p:pic>
+      <p:pic>
+        <p:nvPicPr>
+          <p:cNvPr id="19" name="图片 18">
+            <a:hlinkClick r:id="rId6"/>
+            <a:extLst>
+              <a:ext uri="{FF2B5EF4-FFF2-40B4-BE49-F238E27FC236}">
+                <a16:creationId xmlns:a16="http://schemas.microsoft.com/office/drawing/2014/main" id="{838C19BA-8727-8098-98CD-7E9E4212B643}"/>
+              </a:ext>
+            </a:extLst>
+          </p:cNvPr>
+          <p:cNvPicPr>
+            <a:picLocks noChangeAspect="1"/>
+          </p:cNvPicPr>
+          <p:nvPr/>
+        </p:nvPicPr>
+        <p:blipFill rotWithShape="1">
+          <a:blip r:embed="rId7"/>
+          <a:srcRect l="6495" t="6496" r="6495" b="6496"/>
+          <a:stretch/>
+        </p:blipFill>
+        <p:spPr>
+          <a:xfrm>
+            <a:off x="6660928" y="4549325"/>
+            <a:ext cx="423072" cy="410348"/>
+          </a:xfrm>
+          <a:prstGeom prst="rect">
+            <a:avLst/>
+          </a:prstGeom>
+        </p:spPr>
+      </p:pic>
+      <p:pic>
+        <p:nvPicPr>
+          <p:cNvPr id="21" name="图片 20">
+            <a:hlinkClick r:id="rId8"/>
+            <a:extLst>
+              <a:ext uri="{FF2B5EF4-FFF2-40B4-BE49-F238E27FC236}">
+                <a16:creationId xmlns:a16="http://schemas.microsoft.com/office/drawing/2014/main" id="{3B6B59A8-6D44-4DDE-5050-31C0E720BFA1}"/>
+              </a:ext>
+            </a:extLst>
+          </p:cNvPr>
+          <p:cNvPicPr>
+            <a:picLocks noChangeAspect="1"/>
+          </p:cNvPicPr>
+          <p:nvPr/>
+        </p:nvPicPr>
+        <p:blipFill rotWithShape="1">
+          <a:blip r:embed="rId9"/>
+          <a:srcRect l="11222" t="4522" r="4206" b="4522"/>
+          <a:stretch/>
+        </p:blipFill>
+        <p:spPr>
+          <a:xfrm>
+            <a:off x="7285953" y="4541682"/>
+            <a:ext cx="398858" cy="425634"/>
+          </a:xfrm>
+          <a:prstGeom prst="rect">
+            <a:avLst/>
+          </a:prstGeom>
+        </p:spPr>
+      </p:pic>
+      <p:pic>
+        <p:nvPicPr>
+          <p:cNvPr id="23" name="图片 22">
+            <a:hlinkClick r:id="rId10"/>
+            <a:extLst>
+              <a:ext uri="{FF2B5EF4-FFF2-40B4-BE49-F238E27FC236}">
+                <a16:creationId xmlns:a16="http://schemas.microsoft.com/office/drawing/2014/main" id="{973CA2AA-24EC-CAF1-F4DB-319E2A81BD47}"/>
+              </a:ext>
+            </a:extLst>
+          </p:cNvPr>
+          <p:cNvPicPr>
+            <a:picLocks noChangeAspect="1"/>
+          </p:cNvPicPr>
+          <p:nvPr/>
+        </p:nvPicPr>
+        <p:blipFill>
+          <a:blip r:embed="rId11"/>
+          <a:stretch>
+            <a:fillRect/>
+          </a:stretch>
+        </p:blipFill>
+        <p:spPr>
+          <a:xfrm>
+            <a:off x="7886765" y="4533315"/>
+            <a:ext cx="416778" cy="442368"/>
+          </a:xfrm>
+          <a:prstGeom prst="rect">
+            <a:avLst/>
+          </a:prstGeom>
+        </p:spPr>
+      </p:pic>
+      <p:sp>
+        <p:nvSpPr>
+          <p:cNvPr id="24" name="文本框 23">
+            <a:extLst>
+              <a:ext uri="{FF2B5EF4-FFF2-40B4-BE49-F238E27FC236}">
+                <a16:creationId xmlns:a16="http://schemas.microsoft.com/office/drawing/2014/main" id="{7C952037-D0F8-5D2F-A9A2-0B82E6543286}"/>
+              </a:ext>
+            </a:extLst>
+          </p:cNvPr>
+          <p:cNvSpPr txBox="1"/>
+          <p:nvPr/>
+        </p:nvSpPr>
+        <p:spPr>
+          <a:xfrm>
+            <a:off x="4871365" y="4614817"/>
+            <a:ext cx="1229824" cy="307777"/>
+          </a:xfrm>
+          <a:prstGeom prst="rect">
+            <a:avLst/>
+          </a:prstGeom>
+          <a:noFill/>
+        </p:spPr>
+        <p:txBody>
+          <a:bodyPr wrap="none" rtlCol="0">
+            <a:spAutoFit/>
+          </a:bodyPr>
+          <a:lstStyle/>
+          <a:p>
+            <a:r>
+              <a:rPr lang="en-US" altLang="zh-CN" dirty="0">
+                <a:solidFill>
+                  <a:schemeClr val="bg1">
+                    <a:lumMod val="95000"/>
+                  </a:schemeClr>
+                </a:solidFill>
+              </a:rPr>
+              <a:t>Click links</a:t>
+            </a:r>
+            <a:r>
+              <a:rPr lang="zh-CN" altLang="en-US" dirty="0">
+                <a:solidFill>
+                  <a:schemeClr val="bg1">
+                    <a:lumMod val="95000"/>
+                  </a:schemeClr>
+                </a:solidFill>
+              </a:rPr>
+              <a:t>👉</a:t>
+            </a:r>
+          </a:p>
+        </p:txBody>
+      </p:sp>
     </p:spTree>
   </p:cSld>
   <p:clrMapOvr>
